--- a/Documentation/ProfilesRNS_OntologyDiagram.pptx
+++ b/Documentation/ProfilesRNS_OntologyDiagram.pptx
@@ -303,7 +303,7 @@
             <a:fld id="{44E5DA55-CAF6-45D5-9B9E-5BBAC000588C}" type="datetimeFigureOut">
               <a:rPr lang="en-US" smtClean="0"/>
               <a:pPr/>
-              <a:t>5/5/2021</a:t>
+              <a:t>12/17/2025</a:t>
             </a:fld>
             <a:endParaRPr lang="en-US"/>
           </a:p>
@@ -473,7 +473,7 @@
             <a:fld id="{44E5DA55-CAF6-45D5-9B9E-5BBAC000588C}" type="datetimeFigureOut">
               <a:rPr lang="en-US" smtClean="0"/>
               <a:pPr/>
-              <a:t>5/5/2021</a:t>
+              <a:t>12/17/2025</a:t>
             </a:fld>
             <a:endParaRPr lang="en-US"/>
           </a:p>
@@ -653,7 +653,7 @@
             <a:fld id="{44E5DA55-CAF6-45D5-9B9E-5BBAC000588C}" type="datetimeFigureOut">
               <a:rPr lang="en-US" smtClean="0"/>
               <a:pPr/>
-              <a:t>5/5/2021</a:t>
+              <a:t>12/17/2025</a:t>
             </a:fld>
             <a:endParaRPr lang="en-US"/>
           </a:p>
@@ -823,7 +823,7 @@
             <a:fld id="{44E5DA55-CAF6-45D5-9B9E-5BBAC000588C}" type="datetimeFigureOut">
               <a:rPr lang="en-US" smtClean="0"/>
               <a:pPr/>
-              <a:t>5/5/2021</a:t>
+              <a:t>12/17/2025</a:t>
             </a:fld>
             <a:endParaRPr lang="en-US"/>
           </a:p>
@@ -1070,7 +1070,7 @@
             <a:fld id="{44E5DA55-CAF6-45D5-9B9E-5BBAC000588C}" type="datetimeFigureOut">
               <a:rPr lang="en-US" smtClean="0"/>
               <a:pPr/>
-              <a:t>5/5/2021</a:t>
+              <a:t>12/17/2025</a:t>
             </a:fld>
             <a:endParaRPr lang="en-US"/>
           </a:p>
@@ -1357,7 +1357,7 @@
             <a:fld id="{44E5DA55-CAF6-45D5-9B9E-5BBAC000588C}" type="datetimeFigureOut">
               <a:rPr lang="en-US" smtClean="0"/>
               <a:pPr/>
-              <a:t>5/5/2021</a:t>
+              <a:t>12/17/2025</a:t>
             </a:fld>
             <a:endParaRPr lang="en-US"/>
           </a:p>
@@ -1778,7 +1778,7 @@
             <a:fld id="{44E5DA55-CAF6-45D5-9B9E-5BBAC000588C}" type="datetimeFigureOut">
               <a:rPr lang="en-US" smtClean="0"/>
               <a:pPr/>
-              <a:t>5/5/2021</a:t>
+              <a:t>12/17/2025</a:t>
             </a:fld>
             <a:endParaRPr lang="en-US"/>
           </a:p>
@@ -1897,7 +1897,7 @@
             <a:fld id="{44E5DA55-CAF6-45D5-9B9E-5BBAC000588C}" type="datetimeFigureOut">
               <a:rPr lang="en-US" smtClean="0"/>
               <a:pPr/>
-              <a:t>5/5/2021</a:t>
+              <a:t>12/17/2025</a:t>
             </a:fld>
             <a:endParaRPr lang="en-US"/>
           </a:p>
@@ -1994,7 +1994,7 @@
             <a:fld id="{44E5DA55-CAF6-45D5-9B9E-5BBAC000588C}" type="datetimeFigureOut">
               <a:rPr lang="en-US" smtClean="0"/>
               <a:pPr/>
-              <a:t>5/5/2021</a:t>
+              <a:t>12/17/2025</a:t>
             </a:fld>
             <a:endParaRPr lang="en-US"/>
           </a:p>
@@ -2271,7 +2271,7 @@
             <a:fld id="{44E5DA55-CAF6-45D5-9B9E-5BBAC000588C}" type="datetimeFigureOut">
               <a:rPr lang="en-US" smtClean="0"/>
               <a:pPr/>
-              <a:t>5/5/2021</a:t>
+              <a:t>12/17/2025</a:t>
             </a:fld>
             <a:endParaRPr lang="en-US"/>
           </a:p>
@@ -2525,7 +2525,7 @@
             <a:fld id="{44E5DA55-CAF6-45D5-9B9E-5BBAC000588C}" type="datetimeFigureOut">
               <a:rPr lang="en-US" smtClean="0"/>
               <a:pPr/>
-              <a:t>5/5/2021</a:t>
+              <a:t>12/17/2025</a:t>
             </a:fld>
             <a:endParaRPr lang="en-US"/>
           </a:p>
@@ -2738,7 +2738,7 @@
             <a:fld id="{44E5DA55-CAF6-45D5-9B9E-5BBAC000588C}" type="datetimeFigureOut">
               <a:rPr lang="en-US" smtClean="0"/>
               <a:pPr/>
-              <a:t>5/5/2021</a:t>
+              <a:t>12/17/2025</a:t>
             </a:fld>
             <a:endParaRPr lang="en-US"/>
           </a:p>
@@ -7837,7 +7837,7 @@
             </a:r>
             <a:r>
               <a:rPr lang="en-US" sz="1400"/>
-              <a:t>RNS 3.1.0 </a:t>
+              <a:t>RNS 4.0.0 </a:t>
             </a:r>
             <a:r>
               <a:rPr lang="en-US" sz="1400" dirty="0"/>
